--- a/成果発表.pptx
+++ b/成果発表.pptx
@@ -3604,7 +3604,7 @@
             </a:r>
             <a:r>
               <a:rPr lang="ja-JP" altLang="en-US" b="1" dirty="0"/>
-              <a:t>及びトラッキングによるパター訓練</a:t>
+              <a:t>によるゴルフパター訓練</a:t>
             </a:r>
             <a:endParaRPr lang="zh-TW" altLang="en-US" b="1" dirty="0"/>
           </a:p>
@@ -3628,7 +3628,7 @@
         </p:spPr>
         <p:txBody>
           <a:bodyPr>
-            <a:normAutofit fontScale="92500"/>
+            <a:normAutofit lnSpcReduction="10000"/>
           </a:bodyPr>
           <a:lstStyle/>
           <a:p>
